--- a/figures/ppt/realHW.pptx
+++ b/figures/ppt/realHW.pptx
@@ -135,9 +135,9 @@
           <c:xMode val="edge"/>
           <c:yMode val="edge"/>
           <c:x val="0.12722652709814822"/>
-          <c:y val="0.11724146981627295"/>
-          <c:w val="0.8195669088892904"/>
-          <c:h val="0.64869783464566932"/>
+          <c:y val="8.915596466614889E-2"/>
+          <c:w val="0.8214443567003813"/>
+          <c:h val="0.65241700196167296"/>
         </c:manualLayout>
       </c:layout>
       <c:scatterChart>
@@ -158,7 +158,7 @@
             </c:strRef>
           </c:tx>
           <c:spPr>
-            <a:ln w="19050" cap="rnd">
+            <a:ln w="38100" cap="rnd">
               <a:solidFill>
                 <a:schemeClr val="accent1"/>
               </a:solidFill>
@@ -173,7 +173,7 @@
               <a:solidFill>
                 <a:schemeClr val="accent1"/>
               </a:solidFill>
-              <a:ln w="9525">
+              <a:ln w="34925">
                 <a:solidFill>
                   <a:schemeClr val="accent1"/>
                 </a:solidFill>
@@ -251,7 +251,7 @@
             </c:strRef>
           </c:tx>
           <c:spPr>
-            <a:ln w="19050" cap="rnd">
+            <a:ln w="38100" cap="rnd">
               <a:solidFill>
                 <a:schemeClr val="accent2"/>
               </a:solidFill>
@@ -266,7 +266,7 @@
               <a:solidFill>
                 <a:schemeClr val="accent2"/>
               </a:solidFill>
-              <a:ln w="9525">
+              <a:ln w="31750">
                 <a:solidFill>
                   <a:schemeClr val="accent2"/>
                 </a:solidFill>
@@ -274,6 +274,30 @@
               <a:effectLst/>
             </c:spPr>
           </c:marker>
+          <c:dPt>
+            <c:idx val="1"/>
+            <c:marker>
+              <c:symbol val="circle"/>
+              <c:size val="5"/>
+              <c:spPr>
+                <a:solidFill>
+                  <a:schemeClr val="accent2"/>
+                </a:solidFill>
+                <a:ln w="38100">
+                  <a:solidFill>
+                    <a:schemeClr val="accent2"/>
+                  </a:solidFill>
+                </a:ln>
+                <a:effectLst/>
+              </c:spPr>
+            </c:marker>
+            <c:bubble3D val="0"/>
+            <c:extLst>
+              <c:ext xmlns:c16="http://schemas.microsoft.com/office/drawing/2014/chart" uri="{C3380CC4-5D6E-409C-BE32-E72D297353CC}">
+                <c16:uniqueId val="{00000000-E122-9B44-BF0F-3A64267C0B32}"/>
+              </c:ext>
+            </c:extLst>
+          </c:dPt>
           <c:xVal>
             <c:numRef>
               <c:f>Sheet1!$G$19:$G$25</c:f>
@@ -356,7 +380,7 @@
         <c:axId val="226389855"/>
         <c:scaling>
           <c:orientation val="minMax"/>
-          <c:min val="14000"/>
+          <c:min val="15000"/>
         </c:scaling>
         <c:delete val="0"/>
         <c:axPos val="b"/>
@@ -381,7 +405,7 @@
               <a:lstStyle/>
               <a:p>
                 <a:pPr>
-                  <a:defRPr sz="1600" b="0" i="0" u="none" strike="noStrike" kern="1200" baseline="0">
+                  <a:defRPr sz="2000" b="0" i="0" u="none" strike="noStrike" kern="1200" baseline="0">
                     <a:solidFill>
                       <a:schemeClr val="tx1">
                         <a:lumMod val="65000"/>
@@ -394,7 +418,7 @@
                   </a:defRPr>
                 </a:pPr>
                 <a:r>
-                  <a:rPr lang="en-US"/>
+                  <a:rPr lang="en-US" dirty="0"/>
                   <a:t>Available Memory (MB)</a:t>
                 </a:r>
               </a:p>
@@ -402,7 +426,7 @@
                 <a:pPr>
                   <a:defRPr/>
                 </a:pPr>
-                <a:endParaRPr lang="en-US"/>
+                <a:endParaRPr lang="en-US" dirty="0"/>
               </a:p>
             </c:rich>
           </c:tx>
@@ -410,8 +434,8 @@
             <c:manualLayout>
               <c:xMode val="edge"/>
               <c:yMode val="edge"/>
-              <c:x val="0.37691099182673427"/>
-              <c:y val="0.87144368995159993"/>
+              <c:x val="0.37527301795253848"/>
+              <c:y val="0.85979624898161089"/>
             </c:manualLayout>
           </c:layout>
           <c:overlay val="0"/>
@@ -427,7 +451,7 @@
             <a:lstStyle/>
             <a:p>
               <a:pPr>
-                <a:defRPr sz="1600" b="0" i="0" u="none" strike="noStrike" kern="1200" baseline="0">
+                <a:defRPr sz="2000" b="0" i="0" u="none" strike="noStrike" kern="1200" baseline="0">
                   <a:solidFill>
                     <a:schemeClr val="tx1">
                       <a:lumMod val="65000"/>
@@ -465,7 +489,7 @@
           <a:lstStyle/>
           <a:p>
             <a:pPr>
-              <a:defRPr sz="1600" b="0" i="0" u="none" strike="noStrike" kern="1200" baseline="0">
+              <a:defRPr sz="2000" b="0" i="0" u="none" strike="noStrike" kern="1200" baseline="0">
                 <a:solidFill>
                   <a:schemeClr val="tx1">
                     <a:lumMod val="65000"/>
@@ -483,6 +507,7 @@
         <c:crossAx val="226391535"/>
         <c:crosses val="autoZero"/>
         <c:crossBetween val="midCat"/>
+        <c:majorUnit val="1000"/>
       </c:valAx>
       <c:valAx>
         <c:axId val="226391535"/>
@@ -513,7 +538,7 @@
               <a:lstStyle/>
               <a:p>
                 <a:pPr>
-                  <a:defRPr sz="1600" b="0" i="0" u="none" strike="noStrike" kern="1200" baseline="0">
+                  <a:defRPr sz="2000" b="0" i="0" u="none" strike="noStrike" kern="1200" baseline="0">
                     <a:solidFill>
                       <a:schemeClr val="tx1">
                         <a:lumMod val="65000"/>
@@ -536,8 +561,8 @@
             <c:manualLayout>
               <c:xMode val="edge"/>
               <c:yMode val="edge"/>
-              <c:x val="3.3890789723652621E-2"/>
-              <c:y val="0.2215329587412006"/>
+              <c:x val="1.4235431723360894E-2"/>
+              <c:y val="0.17014789257525101"/>
             </c:manualLayout>
           </c:layout>
           <c:overlay val="0"/>
@@ -553,7 +578,7 @@
             <a:lstStyle/>
             <a:p>
               <a:pPr>
-                <a:defRPr sz="1600" b="0" i="0" u="none" strike="noStrike" kern="1200" baseline="0">
+                <a:defRPr sz="2000" b="0" i="0" u="none" strike="noStrike" kern="1200" baseline="0">
                   <a:solidFill>
                     <a:schemeClr val="tx1">
                       <a:lumMod val="65000"/>
@@ -591,7 +616,7 @@
           <a:lstStyle/>
           <a:p>
             <a:pPr>
-              <a:defRPr sz="1600" b="0" i="0" u="none" strike="noStrike" kern="1200" baseline="0">
+              <a:defRPr sz="2000" b="0" i="0" u="none" strike="noStrike" kern="1200" baseline="0">
                 <a:solidFill>
                   <a:schemeClr val="tx1">
                     <a:lumMod val="65000"/>
@@ -633,7 +658,7 @@
         <a:lstStyle/>
         <a:p>
           <a:pPr>
-            <a:defRPr sz="1600" b="0" i="0" u="none" strike="noStrike" kern="1200" baseline="0">
+            <a:defRPr sz="2000" b="0" i="0" u="none" strike="noStrike" kern="1200" baseline="0">
               <a:solidFill>
                 <a:schemeClr val="tx1">
                   <a:lumMod val="65000"/>
@@ -672,7 +697,7 @@
     <a:lstStyle/>
     <a:p>
       <a:pPr>
-        <a:defRPr sz="1600"/>
+        <a:defRPr sz="2000"/>
       </a:pPr>
       <a:endParaRPr lang="en-US"/>
     </a:p>
@@ -2504,7 +2529,7 @@
           <a:p>
             <a:fld id="{8A1320B4-16A4-114F-890B-F7F9D676E8A3}" type="datetimeFigureOut">
               <a:rPr lang="en-US" smtClean="0"/>
-              <a:t>8/8/18</a:t>
+              <a:t>12/7/18</a:t>
             </a:fld>
             <a:endParaRPr lang="en-US"/>
           </a:p>
@@ -2702,7 +2727,7 @@
           <a:p>
             <a:fld id="{8A1320B4-16A4-114F-890B-F7F9D676E8A3}" type="datetimeFigureOut">
               <a:rPr lang="en-US" smtClean="0"/>
-              <a:t>8/8/18</a:t>
+              <a:t>12/7/18</a:t>
             </a:fld>
             <a:endParaRPr lang="en-US"/>
           </a:p>
@@ -2910,7 +2935,7 @@
           <a:p>
             <a:fld id="{8A1320B4-16A4-114F-890B-F7F9D676E8A3}" type="datetimeFigureOut">
               <a:rPr lang="en-US" smtClean="0"/>
-              <a:t>8/8/18</a:t>
+              <a:t>12/7/18</a:t>
             </a:fld>
             <a:endParaRPr lang="en-US"/>
           </a:p>
@@ -3108,7 +3133,7 @@
           <a:p>
             <a:fld id="{8A1320B4-16A4-114F-890B-F7F9D676E8A3}" type="datetimeFigureOut">
               <a:rPr lang="en-US" smtClean="0"/>
-              <a:t>8/8/18</a:t>
+              <a:t>12/7/18</a:t>
             </a:fld>
             <a:endParaRPr lang="en-US"/>
           </a:p>
@@ -3383,7 +3408,7 @@
           <a:p>
             <a:fld id="{8A1320B4-16A4-114F-890B-F7F9D676E8A3}" type="datetimeFigureOut">
               <a:rPr lang="en-US" smtClean="0"/>
-              <a:t>8/8/18</a:t>
+              <a:t>12/7/18</a:t>
             </a:fld>
             <a:endParaRPr lang="en-US"/>
           </a:p>
@@ -3648,7 +3673,7 @@
           <a:p>
             <a:fld id="{8A1320B4-16A4-114F-890B-F7F9D676E8A3}" type="datetimeFigureOut">
               <a:rPr lang="en-US" smtClean="0"/>
-              <a:t>8/8/18</a:t>
+              <a:t>12/7/18</a:t>
             </a:fld>
             <a:endParaRPr lang="en-US"/>
           </a:p>
@@ -4060,7 +4085,7 @@
           <a:p>
             <a:fld id="{8A1320B4-16A4-114F-890B-F7F9D676E8A3}" type="datetimeFigureOut">
               <a:rPr lang="en-US" smtClean="0"/>
-              <a:t>8/8/18</a:t>
+              <a:t>12/7/18</a:t>
             </a:fld>
             <a:endParaRPr lang="en-US"/>
           </a:p>
@@ -4201,7 +4226,7 @@
           <a:p>
             <a:fld id="{8A1320B4-16A4-114F-890B-F7F9D676E8A3}" type="datetimeFigureOut">
               <a:rPr lang="en-US" smtClean="0"/>
-              <a:t>8/8/18</a:t>
+              <a:t>12/7/18</a:t>
             </a:fld>
             <a:endParaRPr lang="en-US"/>
           </a:p>
@@ -4314,7 +4339,7 @@
           <a:p>
             <a:fld id="{8A1320B4-16A4-114F-890B-F7F9D676E8A3}" type="datetimeFigureOut">
               <a:rPr lang="en-US" smtClean="0"/>
-              <a:t>8/8/18</a:t>
+              <a:t>12/7/18</a:t>
             </a:fld>
             <a:endParaRPr lang="en-US"/>
           </a:p>
@@ -4625,7 +4650,7 @@
           <a:p>
             <a:fld id="{8A1320B4-16A4-114F-890B-F7F9D676E8A3}" type="datetimeFigureOut">
               <a:rPr lang="en-US" smtClean="0"/>
-              <a:t>8/8/18</a:t>
+              <a:t>12/7/18</a:t>
             </a:fld>
             <a:endParaRPr lang="en-US"/>
           </a:p>
@@ -4913,7 +4938,7 @@
           <a:p>
             <a:fld id="{8A1320B4-16A4-114F-890B-F7F9D676E8A3}" type="datetimeFigureOut">
               <a:rPr lang="en-US" smtClean="0"/>
-              <a:t>8/8/18</a:t>
+              <a:t>12/7/18</a:t>
             </a:fld>
             <a:endParaRPr lang="en-US"/>
           </a:p>
@@ -5154,7 +5179,7 @@
           <a:p>
             <a:fld id="{8A1320B4-16A4-114F-890B-F7F9D676E8A3}" type="datetimeFigureOut">
               <a:rPr lang="en-US" smtClean="0"/>
-              <a:t>8/8/18</a:t>
+              <a:t>12/7/18</a:t>
             </a:fld>
             <a:endParaRPr lang="en-US"/>
           </a:p>
@@ -5586,14 +5611,14 @@
           <p:nvPr>
             <p:extLst>
               <p:ext uri="{D42A27DB-BD31-4B8C-83A1-F6EECF244321}">
-                <p14:modId xmlns:p14="http://schemas.microsoft.com/office/powerpoint/2010/main" val="1090935758"/>
+                <p14:modId xmlns:p14="http://schemas.microsoft.com/office/powerpoint/2010/main" val="3681964091"/>
               </p:ext>
             </p:extLst>
           </p:nvPr>
         </p:nvGraphicFramePr>
         <p:xfrm>
-          <a:off x="2167003" y="1290181"/>
-          <a:ext cx="7753611" cy="4521896"/>
+          <a:off x="2167003" y="1290180"/>
+          <a:ext cx="7753611" cy="4780835"/>
         </p:xfrm>
         <a:graphic>
           <a:graphicData uri="http://schemas.openxmlformats.org/drawingml/2006/chart">
